--- a/Evento 8 Marzo - Poliba/informativa.pptx
+++ b/Evento 8 Marzo - Poliba/informativa.pptx
@@ -107,6 +107,11 @@
       </a:defRPr>
     </a:lvl9pPr>
   </p:defaultTextStyle>
+  <p:extLst>
+    <p:ext uri="{EFAFB233-063F-42B5-8137-9DF3F51BA10A}">
+      <p15:sldGuideLst xmlns:p15="http://schemas.microsoft.com/office/powerpoint/2012/main"/>
+    </p:ext>
+  </p:extLst>
 </p:presentation>
 </file>
 
@@ -3820,7 +3825,7 @@
         <p:spPr>
           <a:xfrm>
             <a:off x="911933" y="559303"/>
-            <a:ext cx="3888985" cy="1267600"/>
+            <a:ext cx="4796536" cy="1596068"/>
           </a:xfrm>
           <a:prstGeom prst="rect">
             <a:avLst/>
